--- a/과제/파이썬프로그래밍_2022158067_김지우_1-1과제(3주차_3장).pptx
+++ b/과제/파이썬프로그래밍_2022158067_김지우_1-1과제(3주차_3장).pptx
@@ -114,6 +114,14 @@
 </p:presentation>
 </file>
 
+<file path=ppt/revisionInfo.xml><?xml version="1.0" encoding="utf-8"?>
+<p1510:revInfo xmlns:a="http://schemas.openxmlformats.org/drawingml/2006/main" xmlns:r="http://schemas.openxmlformats.org/officeDocument/2006/relationships" xmlns:p1510="http://schemas.microsoft.com/office/powerpoint/2015/10/main">
+  <p1510:revLst>
+    <p1510:client id="{675087F9-B33B-4920-B877-6472392D7591}" v="12" dt="2025-03-25T23:38:06.463"/>
+  </p1510:revLst>
+</p1510:revInfo>
+</file>
+
 <file path=ppt/changesInfos/changesInfo1.xml><?xml version="1.0" encoding="utf-8"?>
 <pc:chgInfo xmlns:a="http://schemas.openxmlformats.org/drawingml/2006/main" xmlns:r="http://schemas.openxmlformats.org/officeDocument/2006/relationships" xmlns:ac="http://schemas.microsoft.com/office/drawing/2013/main/command" xmlns:pc="http://schemas.microsoft.com/office/powerpoint/2013/main/command">
   <pc:docChgLst>
@@ -148,6 +156,165 @@
       </pc:sldChg>
     </pc:docChg>
   </pc:docChgLst>
+  <pc:docChgLst>
+    <pc:chgData name="지우 김" userId="5210e3f53758dd47" providerId="LiveId" clId="{675087F9-B33B-4920-B877-6472392D7591}"/>
+    <pc:docChg chg="undo custSel modSld">
+      <pc:chgData name="지우 김" userId="5210e3f53758dd47" providerId="LiveId" clId="{675087F9-B33B-4920-B877-6472392D7591}" dt="2025-03-25T23:38:43.635" v="209" actId="20577"/>
+      <pc:docMkLst>
+        <pc:docMk/>
+      </pc:docMkLst>
+      <pc:sldChg chg="addSp delSp modSp mod">
+        <pc:chgData name="지우 김" userId="5210e3f53758dd47" providerId="LiveId" clId="{675087F9-B33B-4920-B877-6472392D7591}" dt="2025-03-25T23:30:33.661" v="123" actId="339"/>
+        <pc:sldMkLst>
+          <pc:docMk/>
+          <pc:sldMk cId="1726016807" sldId="258"/>
+        </pc:sldMkLst>
+        <pc:spChg chg="mod">
+          <ac:chgData name="지우 김" userId="5210e3f53758dd47" providerId="LiveId" clId="{675087F9-B33B-4920-B877-6472392D7591}" dt="2025-03-25T23:28:22.406" v="22" actId="1076"/>
+          <ac:spMkLst>
+            <pc:docMk/>
+            <pc:sldMk cId="1726016807" sldId="258"/>
+            <ac:spMk id="2" creationId="{A8E48BCB-E230-597A-8EB5-BA42FFF7EDCD}"/>
+          </ac:spMkLst>
+        </pc:spChg>
+        <pc:spChg chg="add del">
+          <ac:chgData name="지우 김" userId="5210e3f53758dd47" providerId="LiveId" clId="{675087F9-B33B-4920-B877-6472392D7591}" dt="2025-03-25T23:25:57.509" v="7" actId="478"/>
+          <ac:spMkLst>
+            <pc:docMk/>
+            <pc:sldMk cId="1726016807" sldId="258"/>
+            <ac:spMk id="10" creationId="{B50C2590-CCDC-4D75-9891-A523D8A0DFD9}"/>
+          </ac:spMkLst>
+        </pc:spChg>
+        <pc:spChg chg="del">
+          <ac:chgData name="지우 김" userId="5210e3f53758dd47" providerId="LiveId" clId="{675087F9-B33B-4920-B877-6472392D7591}" dt="2025-03-25T23:25:17.577" v="0" actId="478"/>
+          <ac:spMkLst>
+            <pc:docMk/>
+            <pc:sldMk cId="1726016807" sldId="258"/>
+            <ac:spMk id="13" creationId="{2BAE2F0E-308B-E36E-98BA-539B9A882A30}"/>
+          </ac:spMkLst>
+        </pc:spChg>
+        <pc:spChg chg="add mod">
+          <ac:chgData name="지우 김" userId="5210e3f53758dd47" providerId="LiveId" clId="{675087F9-B33B-4920-B877-6472392D7591}" dt="2025-03-25T23:28:22.983" v="23"/>
+          <ac:spMkLst>
+            <pc:docMk/>
+            <pc:sldMk cId="1726016807" sldId="258"/>
+            <ac:spMk id="17" creationId="{2E0F3919-CB4E-5B96-88EC-7F3208F3B4CA}"/>
+          </ac:spMkLst>
+        </pc:spChg>
+        <pc:spChg chg="add mod">
+          <ac:chgData name="지우 김" userId="5210e3f53758dd47" providerId="LiveId" clId="{675087F9-B33B-4920-B877-6472392D7591}" dt="2025-03-25T23:29:21.715" v="93" actId="164"/>
+          <ac:spMkLst>
+            <pc:docMk/>
+            <pc:sldMk cId="1726016807" sldId="258"/>
+            <ac:spMk id="18" creationId="{B92DFB1F-7C37-B6A4-235B-28D45D4C9F1B}"/>
+          </ac:spMkLst>
+        </pc:spChg>
+        <pc:spChg chg="add mod">
+          <ac:chgData name="지우 김" userId="5210e3f53758dd47" providerId="LiveId" clId="{675087F9-B33B-4920-B877-6472392D7591}" dt="2025-03-25T23:29:56.788" v="120" actId="164"/>
+          <ac:spMkLst>
+            <pc:docMk/>
+            <pc:sldMk cId="1726016807" sldId="258"/>
+            <ac:spMk id="20" creationId="{6C2ABE16-9A33-9689-51B9-135C724419A5}"/>
+          </ac:spMkLst>
+        </pc:spChg>
+        <pc:grpChg chg="add mod">
+          <ac:chgData name="지우 김" userId="5210e3f53758dd47" providerId="LiveId" clId="{675087F9-B33B-4920-B877-6472392D7591}" dt="2025-03-25T23:30:05.862" v="121" actId="1076"/>
+          <ac:grpSpMkLst>
+            <pc:docMk/>
+            <pc:sldMk cId="1726016807" sldId="258"/>
+            <ac:grpSpMk id="19" creationId="{061CCFE6-DEF4-38EC-6D2F-BFE0CFC7909C}"/>
+          </ac:grpSpMkLst>
+        </pc:grpChg>
+        <pc:grpChg chg="add mod">
+          <ac:chgData name="지우 김" userId="5210e3f53758dd47" providerId="LiveId" clId="{675087F9-B33B-4920-B877-6472392D7591}" dt="2025-03-25T23:30:05.862" v="121" actId="1076"/>
+          <ac:grpSpMkLst>
+            <pc:docMk/>
+            <pc:sldMk cId="1726016807" sldId="258"/>
+            <ac:grpSpMk id="21" creationId="{E7645DD9-ADAC-AC66-7C82-7DDD1ED3B55A}"/>
+          </ac:grpSpMkLst>
+        </pc:grpChg>
+        <pc:picChg chg="add del mod">
+          <ac:chgData name="지우 김" userId="5210e3f53758dd47" providerId="LiveId" clId="{675087F9-B33B-4920-B877-6472392D7591}" dt="2025-03-25T23:25:28.040" v="5" actId="478"/>
+          <ac:picMkLst>
+            <pc:docMk/>
+            <pc:sldMk cId="1726016807" sldId="258"/>
+            <ac:picMk id="8" creationId="{3E12D595-C793-FF82-BAA0-EC443D855D2D}"/>
+          </ac:picMkLst>
+        </pc:picChg>
+        <pc:picChg chg="add mod">
+          <ac:chgData name="지우 김" userId="5210e3f53758dd47" providerId="LiveId" clId="{675087F9-B33B-4920-B877-6472392D7591}" dt="2025-03-25T23:29:21.715" v="93" actId="164"/>
+          <ac:picMkLst>
+            <pc:docMk/>
+            <pc:sldMk cId="1726016807" sldId="258"/>
+            <ac:picMk id="14" creationId="{A60BDB55-61AE-AC44-7C1D-8CC26796BF85}"/>
+          </ac:picMkLst>
+        </pc:picChg>
+        <pc:picChg chg="add mod">
+          <ac:chgData name="지우 김" userId="5210e3f53758dd47" providerId="LiveId" clId="{675087F9-B33B-4920-B877-6472392D7591}" dt="2025-03-25T23:30:33.661" v="123" actId="339"/>
+          <ac:picMkLst>
+            <pc:docMk/>
+            <pc:sldMk cId="1726016807" sldId="258"/>
+            <ac:picMk id="16" creationId="{12C74AAA-B785-5A51-2381-B878C5EB3C62}"/>
+          </ac:picMkLst>
+        </pc:picChg>
+      </pc:sldChg>
+      <pc:sldChg chg="addSp delSp modSp mod">
+        <pc:chgData name="지우 김" userId="5210e3f53758dd47" providerId="LiveId" clId="{675087F9-B33B-4920-B877-6472392D7591}" dt="2025-03-25T23:38:43.635" v="209" actId="20577"/>
+        <pc:sldMkLst>
+          <pc:docMk/>
+          <pc:sldMk cId="3366858260" sldId="259"/>
+        </pc:sldMkLst>
+        <pc:spChg chg="del">
+          <ac:chgData name="지우 김" userId="5210e3f53758dd47" providerId="LiveId" clId="{675087F9-B33B-4920-B877-6472392D7591}" dt="2025-03-25T23:30:20.915" v="122" actId="478"/>
+          <ac:spMkLst>
+            <pc:docMk/>
+            <pc:sldMk cId="3366858260" sldId="259"/>
+            <ac:spMk id="13" creationId="{1FC787D9-FEE0-EA25-C073-D9D7E32265A1}"/>
+          </ac:spMkLst>
+        </pc:spChg>
+        <pc:spChg chg="add mod">
+          <ac:chgData name="지우 김" userId="5210e3f53758dd47" providerId="LiveId" clId="{675087F9-B33B-4920-B877-6472392D7591}" dt="2025-03-25T23:38:00.520" v="135" actId="1076"/>
+          <ac:spMkLst>
+            <pc:docMk/>
+            <pc:sldMk cId="3366858260" sldId="259"/>
+            <ac:spMk id="15" creationId="{BE878254-06B3-FA50-FE92-042A9A27BC50}"/>
+          </ac:spMkLst>
+        </pc:spChg>
+        <pc:spChg chg="add mod">
+          <ac:chgData name="지우 김" userId="5210e3f53758dd47" providerId="LiveId" clId="{675087F9-B33B-4920-B877-6472392D7591}" dt="2025-03-25T23:38:43.635" v="209" actId="20577"/>
+          <ac:spMkLst>
+            <pc:docMk/>
+            <pc:sldMk cId="3366858260" sldId="259"/>
+            <ac:spMk id="16" creationId="{F34FFD0C-FD67-3ABA-311E-3C9FA5749577}"/>
+          </ac:spMkLst>
+        </pc:spChg>
+        <pc:grpChg chg="add mod">
+          <ac:chgData name="지우 김" userId="5210e3f53758dd47" providerId="LiveId" clId="{675087F9-B33B-4920-B877-6472392D7591}" dt="2025-03-25T23:37:40.909" v="133" actId="1076"/>
+          <ac:grpSpMkLst>
+            <pc:docMk/>
+            <pc:sldMk cId="3366858260" sldId="259"/>
+            <ac:grpSpMk id="14" creationId="{66D382B5-7F31-D1D7-3F7D-373450FD3A4B}"/>
+          </ac:grpSpMkLst>
+        </pc:grpChg>
+        <pc:picChg chg="add mod">
+          <ac:chgData name="지우 김" userId="5210e3f53758dd47" providerId="LiveId" clId="{675087F9-B33B-4920-B877-6472392D7591}" dt="2025-03-25T23:37:33.435" v="132" actId="164"/>
+          <ac:picMkLst>
+            <pc:docMk/>
+            <pc:sldMk cId="3366858260" sldId="259"/>
+            <ac:picMk id="8" creationId="{F00295D4-8847-8FD1-1A41-2B8AB4D26654}"/>
+          </ac:picMkLst>
+        </pc:picChg>
+        <pc:picChg chg="add mod">
+          <ac:chgData name="지우 김" userId="5210e3f53758dd47" providerId="LiveId" clId="{675087F9-B33B-4920-B877-6472392D7591}" dt="2025-03-25T23:37:33.435" v="132" actId="164"/>
+          <ac:picMkLst>
+            <pc:docMk/>
+            <pc:sldMk cId="3366858260" sldId="259"/>
+            <ac:picMk id="12" creationId="{1EEEE4DD-BBF6-BD1E-B1B6-69DB339D9807}"/>
+          </ac:picMkLst>
+        </pc:picChg>
+      </pc:sldChg>
+    </pc:docChg>
+  </pc:docChgLst>
 </pc:chgInfo>
 </file>
 
@@ -298,7 +465,7 @@
           <a:p>
             <a:fld id="{9054C2D9-2FF6-4DA0-B1C1-BBD1B92D90F7}" type="datetimeFigureOut">
               <a:rPr lang="ko-KR" altLang="en-US" smtClean="0"/>
-              <a:t>2025-03-24</a:t>
+              <a:t>2025-03-26</a:t>
             </a:fld>
             <a:endParaRPr lang="ko-KR" altLang="en-US"/>
           </a:p>
@@ -496,7 +663,7 @@
           <a:p>
             <a:fld id="{9054C2D9-2FF6-4DA0-B1C1-BBD1B92D90F7}" type="datetimeFigureOut">
               <a:rPr lang="ko-KR" altLang="en-US" smtClean="0"/>
-              <a:t>2025-03-24</a:t>
+              <a:t>2025-03-26</a:t>
             </a:fld>
             <a:endParaRPr lang="ko-KR" altLang="en-US"/>
           </a:p>
@@ -704,7 +871,7 @@
           <a:p>
             <a:fld id="{9054C2D9-2FF6-4DA0-B1C1-BBD1B92D90F7}" type="datetimeFigureOut">
               <a:rPr lang="ko-KR" altLang="en-US" smtClean="0"/>
-              <a:t>2025-03-24</a:t>
+              <a:t>2025-03-26</a:t>
             </a:fld>
             <a:endParaRPr lang="ko-KR" altLang="en-US"/>
           </a:p>
@@ -902,7 +1069,7 @@
           <a:p>
             <a:fld id="{9054C2D9-2FF6-4DA0-B1C1-BBD1B92D90F7}" type="datetimeFigureOut">
               <a:rPr lang="ko-KR" altLang="en-US" smtClean="0"/>
-              <a:t>2025-03-24</a:t>
+              <a:t>2025-03-26</a:t>
             </a:fld>
             <a:endParaRPr lang="ko-KR" altLang="en-US"/>
           </a:p>
@@ -1177,7 +1344,7 @@
           <a:p>
             <a:fld id="{9054C2D9-2FF6-4DA0-B1C1-BBD1B92D90F7}" type="datetimeFigureOut">
               <a:rPr lang="ko-KR" altLang="en-US" smtClean="0"/>
-              <a:t>2025-03-24</a:t>
+              <a:t>2025-03-26</a:t>
             </a:fld>
             <a:endParaRPr lang="ko-KR" altLang="en-US"/>
           </a:p>
@@ -1442,7 +1609,7 @@
           <a:p>
             <a:fld id="{9054C2D9-2FF6-4DA0-B1C1-BBD1B92D90F7}" type="datetimeFigureOut">
               <a:rPr lang="ko-KR" altLang="en-US" smtClean="0"/>
-              <a:t>2025-03-24</a:t>
+              <a:t>2025-03-26</a:t>
             </a:fld>
             <a:endParaRPr lang="ko-KR" altLang="en-US"/>
           </a:p>
@@ -1854,7 +2021,7 @@
           <a:p>
             <a:fld id="{9054C2D9-2FF6-4DA0-B1C1-BBD1B92D90F7}" type="datetimeFigureOut">
               <a:rPr lang="ko-KR" altLang="en-US" smtClean="0"/>
-              <a:t>2025-03-24</a:t>
+              <a:t>2025-03-26</a:t>
             </a:fld>
             <a:endParaRPr lang="ko-KR" altLang="en-US"/>
           </a:p>
@@ -1995,7 +2162,7 @@
           <a:p>
             <a:fld id="{9054C2D9-2FF6-4DA0-B1C1-BBD1B92D90F7}" type="datetimeFigureOut">
               <a:rPr lang="ko-KR" altLang="en-US" smtClean="0"/>
-              <a:t>2025-03-24</a:t>
+              <a:t>2025-03-26</a:t>
             </a:fld>
             <a:endParaRPr lang="ko-KR" altLang="en-US"/>
           </a:p>
@@ -2108,7 +2275,7 @@
           <a:p>
             <a:fld id="{9054C2D9-2FF6-4DA0-B1C1-BBD1B92D90F7}" type="datetimeFigureOut">
               <a:rPr lang="ko-KR" altLang="en-US" smtClean="0"/>
-              <a:t>2025-03-24</a:t>
+              <a:t>2025-03-26</a:t>
             </a:fld>
             <a:endParaRPr lang="ko-KR" altLang="en-US"/>
           </a:p>
@@ -2419,7 +2586,7 @@
           <a:p>
             <a:fld id="{9054C2D9-2FF6-4DA0-B1C1-BBD1B92D90F7}" type="datetimeFigureOut">
               <a:rPr lang="ko-KR" altLang="en-US" smtClean="0"/>
-              <a:t>2025-03-24</a:t>
+              <a:t>2025-03-26</a:t>
             </a:fld>
             <a:endParaRPr lang="ko-KR" altLang="en-US"/>
           </a:p>
@@ -2707,7 +2874,7 @@
           <a:p>
             <a:fld id="{9054C2D9-2FF6-4DA0-B1C1-BBD1B92D90F7}" type="datetimeFigureOut">
               <a:rPr lang="ko-KR" altLang="en-US" smtClean="0"/>
-              <a:t>2025-03-24</a:t>
+              <a:t>2025-03-26</a:t>
             </a:fld>
             <a:endParaRPr lang="ko-KR" altLang="en-US"/>
           </a:p>
@@ -2948,7 +3115,7 @@
           <a:p>
             <a:fld id="{9054C2D9-2FF6-4DA0-B1C1-BBD1B92D90F7}" type="datetimeFigureOut">
               <a:rPr lang="ko-KR" altLang="en-US" smtClean="0"/>
-              <a:t>2025-03-24</a:t>
+              <a:t>2025-03-26</a:t>
             </a:fld>
             <a:endParaRPr lang="ko-KR" altLang="en-US"/>
           </a:p>
@@ -3944,31 +4111,237 @@
           </p:txBody>
         </p:sp>
       </p:grpSp>
-      <p:sp>
-        <p:nvSpPr>
-          <p:cNvPr id="13" name="내용 개체 틀 12">
-            <a:extLst>
-              <a:ext uri="{FF2B5EF4-FFF2-40B4-BE49-F238E27FC236}">
-                <a16:creationId xmlns:a16="http://schemas.microsoft.com/office/drawing/2014/main" id="{2BAE2F0E-308B-E36E-98BA-539B9A882A30}"/>
-              </a:ext>
-            </a:extLst>
-          </p:cNvPr>
-          <p:cNvSpPr>
-            <a:spLocks noGrp="1"/>
-          </p:cNvSpPr>
-          <p:nvPr>
-            <p:ph idx="1"/>
-          </p:nvPr>
-        </p:nvSpPr>
-        <p:spPr/>
-        <p:txBody>
-          <a:bodyPr/>
-          <a:lstStyle/>
-          <a:p>
-            <a:endParaRPr lang="ko-KR" altLang="en-US"/>
-          </a:p>
-        </p:txBody>
-      </p:sp>
+      <p:grpSp>
+        <p:nvGrpSpPr>
+          <p:cNvPr id="19" name="그룹 18">
+            <a:extLst>
+              <a:ext uri="{FF2B5EF4-FFF2-40B4-BE49-F238E27FC236}">
+                <a16:creationId xmlns:a16="http://schemas.microsoft.com/office/drawing/2014/main" id="{061CCFE6-DEF4-38EC-6D2F-BFE0CFC7909C}"/>
+              </a:ext>
+            </a:extLst>
+          </p:cNvPr>
+          <p:cNvGrpSpPr/>
+          <p:nvPr/>
+        </p:nvGrpSpPr>
+        <p:grpSpPr>
+          <a:xfrm>
+            <a:off x="768096" y="1669611"/>
+            <a:ext cx="6444348" cy="4203481"/>
+            <a:chOff x="539496" y="1605806"/>
+            <a:chExt cx="6444348" cy="4203481"/>
+          </a:xfrm>
+        </p:grpSpPr>
+        <p:pic>
+          <p:nvPicPr>
+            <p:cNvPr id="14" name="그림 13">
+              <a:extLst>
+                <a:ext uri="{FF2B5EF4-FFF2-40B4-BE49-F238E27FC236}">
+                  <a16:creationId xmlns:a16="http://schemas.microsoft.com/office/drawing/2014/main" id="{A60BDB55-61AE-AC44-7C1D-8CC26796BF85}"/>
+                </a:ext>
+              </a:extLst>
+            </p:cNvPr>
+            <p:cNvPicPr>
+              <a:picLocks noChangeAspect="1"/>
+            </p:cNvPicPr>
+            <p:nvPr/>
+          </p:nvPicPr>
+          <p:blipFill>
+            <a:blip r:embed="rId2"/>
+            <a:stretch>
+              <a:fillRect/>
+            </a:stretch>
+          </p:blipFill>
+          <p:spPr>
+            <a:xfrm>
+              <a:off x="722375" y="1984517"/>
+              <a:ext cx="6261469" cy="3824770"/>
+            </a:xfrm>
+            <a:prstGeom prst="rect">
+              <a:avLst/>
+            </a:prstGeom>
+            <a:ln w="28575">
+              <a:solidFill>
+                <a:schemeClr val="tx1"/>
+              </a:solidFill>
+            </a:ln>
+            <a:scene3d>
+              <a:camera prst="orthographicFront"/>
+              <a:lightRig rig="threePt" dir="t"/>
+            </a:scene3d>
+            <a:sp3d>
+              <a:bevelT/>
+            </a:sp3d>
+          </p:spPr>
+        </p:pic>
+        <p:sp>
+          <p:nvSpPr>
+            <p:cNvPr id="18" name="제목 1">
+              <a:extLst>
+                <a:ext uri="{FF2B5EF4-FFF2-40B4-BE49-F238E27FC236}">
+                  <a16:creationId xmlns:a16="http://schemas.microsoft.com/office/drawing/2014/main" id="{B92DFB1F-7C37-B6A4-235B-28D45D4C9F1B}"/>
+                </a:ext>
+              </a:extLst>
+            </p:cNvPr>
+            <p:cNvSpPr txBox="1">
+              <a:spLocks/>
+            </p:cNvSpPr>
+            <p:nvPr/>
+          </p:nvSpPr>
+          <p:spPr>
+            <a:xfrm>
+              <a:off x="539496" y="1605806"/>
+              <a:ext cx="3674766" cy="343303"/>
+            </a:xfrm>
+            <a:prstGeom prst="rect">
+              <a:avLst/>
+            </a:prstGeom>
+          </p:spPr>
+          <p:txBody>
+            <a:bodyPr vert="horz" lIns="91440" tIns="45720" rIns="91440" bIns="45720" rtlCol="0" anchor="ctr">
+              <a:normAutofit fontScale="92500"/>
+            </a:bodyPr>
+            <a:lstStyle>
+              <a:lvl1pPr algn="l" defTabSz="914400" rtl="0" eaLnBrk="1" latinLnBrk="1" hangingPunct="1">
+                <a:lnSpc>
+                  <a:spcPct val="90000"/>
+                </a:lnSpc>
+                <a:spcBef>
+                  <a:spcPct val="0"/>
+                </a:spcBef>
+                <a:buNone/>
+                <a:defRPr sz="4400" kern="1200">
+                  <a:solidFill>
+                    <a:schemeClr val="tx1"/>
+                  </a:solidFill>
+                  <a:latin typeface="+mj-lt"/>
+                  <a:ea typeface="+mj-ea"/>
+                  <a:cs typeface="+mj-cs"/>
+                </a:defRPr>
+              </a:lvl1pPr>
+            </a:lstStyle>
+            <a:p>
+              <a:pPr algn="ctr"/>
+              <a:r>
+                <a:rPr lang="ko-KR" altLang="en-US" sz="1800" b="1" dirty="0"/>
+                <a:t>데이터형 크기 확인하기 실습 코드</a:t>
+              </a:r>
+            </a:p>
+          </p:txBody>
+        </p:sp>
+      </p:grpSp>
+      <p:grpSp>
+        <p:nvGrpSpPr>
+          <p:cNvPr id="21" name="그룹 20">
+            <a:extLst>
+              <a:ext uri="{FF2B5EF4-FFF2-40B4-BE49-F238E27FC236}">
+                <a16:creationId xmlns:a16="http://schemas.microsoft.com/office/drawing/2014/main" id="{E7645DD9-ADAC-AC66-7C82-7DDD1ED3B55A}"/>
+              </a:ext>
+            </a:extLst>
+          </p:cNvPr>
+          <p:cNvGrpSpPr/>
+          <p:nvPr/>
+        </p:nvGrpSpPr>
+        <p:grpSpPr>
+          <a:xfrm>
+            <a:off x="7582114" y="3460661"/>
+            <a:ext cx="3482742" cy="2412431"/>
+            <a:chOff x="7353514" y="3586211"/>
+            <a:chExt cx="3482742" cy="2412431"/>
+          </a:xfrm>
+        </p:grpSpPr>
+        <p:pic>
+          <p:nvPicPr>
+            <p:cNvPr id="16" name="그림 15">
+              <a:extLst>
+                <a:ext uri="{FF2B5EF4-FFF2-40B4-BE49-F238E27FC236}">
+                  <a16:creationId xmlns:a16="http://schemas.microsoft.com/office/drawing/2014/main" id="{12C74AAA-B785-5A51-2381-B878C5EB3C62}"/>
+                </a:ext>
+              </a:extLst>
+            </p:cNvPr>
+            <p:cNvPicPr>
+              <a:picLocks noChangeAspect="1"/>
+            </p:cNvPicPr>
+            <p:nvPr/>
+          </p:nvPicPr>
+          <p:blipFill>
+            <a:blip r:embed="rId3"/>
+            <a:stretch>
+              <a:fillRect/>
+            </a:stretch>
+          </p:blipFill>
+          <p:spPr>
+            <a:xfrm>
+              <a:off x="7463935" y="3988586"/>
+              <a:ext cx="3372321" cy="2010056"/>
+            </a:xfrm>
+            <a:prstGeom prst="rect">
+              <a:avLst/>
+            </a:prstGeom>
+            <a:scene3d>
+              <a:camera prst="orthographicFront"/>
+              <a:lightRig rig="threePt" dir="t"/>
+            </a:scene3d>
+            <a:sp3d>
+              <a:bevelT/>
+            </a:sp3d>
+          </p:spPr>
+        </p:pic>
+        <p:sp>
+          <p:nvSpPr>
+            <p:cNvPr id="20" name="제목 1">
+              <a:extLst>
+                <a:ext uri="{FF2B5EF4-FFF2-40B4-BE49-F238E27FC236}">
+                  <a16:creationId xmlns:a16="http://schemas.microsoft.com/office/drawing/2014/main" id="{6C2ABE16-9A33-9689-51B9-135C724419A5}"/>
+                </a:ext>
+              </a:extLst>
+            </p:cNvPr>
+            <p:cNvSpPr txBox="1">
+              <a:spLocks/>
+            </p:cNvSpPr>
+            <p:nvPr/>
+          </p:nvSpPr>
+          <p:spPr>
+            <a:xfrm>
+              <a:off x="7353514" y="3586211"/>
+              <a:ext cx="1269278" cy="385850"/>
+            </a:xfrm>
+            <a:prstGeom prst="rect">
+              <a:avLst/>
+            </a:prstGeom>
+          </p:spPr>
+          <p:txBody>
+            <a:bodyPr vert="horz" lIns="91440" tIns="45720" rIns="91440" bIns="45720" rtlCol="0" anchor="ctr">
+              <a:normAutofit/>
+            </a:bodyPr>
+            <a:lstStyle>
+              <a:lvl1pPr algn="l" defTabSz="914400" rtl="0" eaLnBrk="1" latinLnBrk="1" hangingPunct="1">
+                <a:lnSpc>
+                  <a:spcPct val="90000"/>
+                </a:lnSpc>
+                <a:spcBef>
+                  <a:spcPct val="0"/>
+                </a:spcBef>
+                <a:buNone/>
+                <a:defRPr sz="4400" kern="1200">
+                  <a:solidFill>
+                    <a:schemeClr val="tx1"/>
+                  </a:solidFill>
+                  <a:latin typeface="+mj-lt"/>
+                  <a:ea typeface="+mj-ea"/>
+                  <a:cs typeface="+mj-cs"/>
+                </a:defRPr>
+              </a:lvl1pPr>
+            </a:lstStyle>
+            <a:p>
+              <a:pPr algn="ctr"/>
+              <a:r>
+                <a:rPr lang="ko-KR" altLang="en-US" sz="1800" b="1" dirty="0"/>
+                <a:t>실행 결과</a:t>
+              </a:r>
+            </a:p>
+          </p:txBody>
+        </p:sp>
+      </p:grpSp>
     </p:spTree>
     <p:extLst>
       <p:ext uri="{BB962C8B-B14F-4D97-AF65-F5344CB8AC3E}">
@@ -4386,28 +4759,194 @@
           </p:txBody>
         </p:sp>
       </p:grpSp>
-      <p:sp>
-        <p:nvSpPr>
-          <p:cNvPr id="13" name="내용 개체 틀 12">
-            <a:extLst>
-              <a:ext uri="{FF2B5EF4-FFF2-40B4-BE49-F238E27FC236}">
-                <a16:creationId xmlns:a16="http://schemas.microsoft.com/office/drawing/2014/main" id="{1FC787D9-FEE0-EA25-C073-D9D7E32265A1}"/>
-              </a:ext>
-            </a:extLst>
-          </p:cNvPr>
-          <p:cNvSpPr>
-            <a:spLocks noGrp="1"/>
-          </p:cNvSpPr>
-          <p:nvPr>
-            <p:ph idx="1"/>
-          </p:nvPr>
-        </p:nvSpPr>
-        <p:spPr/>
-        <p:txBody>
-          <a:bodyPr/>
-          <a:lstStyle/>
-          <a:p>
-            <a:endParaRPr lang="ko-KR" altLang="en-US"/>
+      <p:grpSp>
+        <p:nvGrpSpPr>
+          <p:cNvPr id="14" name="그룹 13">
+            <a:extLst>
+              <a:ext uri="{FF2B5EF4-FFF2-40B4-BE49-F238E27FC236}">
+                <a16:creationId xmlns:a16="http://schemas.microsoft.com/office/drawing/2014/main" id="{66D382B5-7F31-D1D7-3F7D-373450FD3A4B}"/>
+              </a:ext>
+            </a:extLst>
+          </p:cNvPr>
+          <p:cNvGrpSpPr/>
+          <p:nvPr/>
+        </p:nvGrpSpPr>
+        <p:grpSpPr>
+          <a:xfrm>
+            <a:off x="546870" y="2533197"/>
+            <a:ext cx="11098259" cy="2476310"/>
+            <a:chOff x="714375" y="2443162"/>
+            <a:chExt cx="11098259" cy="2476310"/>
+          </a:xfrm>
+        </p:grpSpPr>
+        <p:pic>
+          <p:nvPicPr>
+            <p:cNvPr id="8" name="그림 7">
+              <a:extLst>
+                <a:ext uri="{FF2B5EF4-FFF2-40B4-BE49-F238E27FC236}">
+                  <a16:creationId xmlns:a16="http://schemas.microsoft.com/office/drawing/2014/main" id="{F00295D4-8847-8FD1-1A41-2B8AB4D26654}"/>
+                </a:ext>
+              </a:extLst>
+            </p:cNvPr>
+            <p:cNvPicPr>
+              <a:picLocks noChangeAspect="1"/>
+            </p:cNvPicPr>
+            <p:nvPr/>
+          </p:nvPicPr>
+          <p:blipFill>
+            <a:blip r:embed="rId2"/>
+            <a:stretch>
+              <a:fillRect/>
+            </a:stretch>
+          </p:blipFill>
+          <p:spPr>
+            <a:xfrm>
+              <a:off x="7756017" y="4122383"/>
+              <a:ext cx="4056617" cy="797089"/>
+            </a:xfrm>
+            <a:prstGeom prst="rect">
+              <a:avLst/>
+            </a:prstGeom>
+          </p:spPr>
+        </p:pic>
+        <p:pic>
+          <p:nvPicPr>
+            <p:cNvPr id="12" name="그림 11">
+              <a:extLst>
+                <a:ext uri="{FF2B5EF4-FFF2-40B4-BE49-F238E27FC236}">
+                  <a16:creationId xmlns:a16="http://schemas.microsoft.com/office/drawing/2014/main" id="{1EEEE4DD-BBF6-BD1E-B1B6-69DB339D9807}"/>
+                </a:ext>
+              </a:extLst>
+            </p:cNvPr>
+            <p:cNvPicPr>
+              <a:picLocks noChangeAspect="1"/>
+            </p:cNvPicPr>
+            <p:nvPr/>
+          </p:nvPicPr>
+          <p:blipFill>
+            <a:blip r:embed="rId3"/>
+            <a:stretch>
+              <a:fillRect/>
+            </a:stretch>
+          </p:blipFill>
+          <p:spPr>
+            <a:xfrm>
+              <a:off x="714375" y="2443162"/>
+              <a:ext cx="6759010" cy="2476310"/>
+            </a:xfrm>
+            <a:prstGeom prst="rect">
+              <a:avLst/>
+            </a:prstGeom>
+          </p:spPr>
+        </p:pic>
+      </p:grpSp>
+      <p:sp>
+        <p:nvSpPr>
+          <p:cNvPr id="15" name="제목 1">
+            <a:extLst>
+              <a:ext uri="{FF2B5EF4-FFF2-40B4-BE49-F238E27FC236}">
+                <a16:creationId xmlns:a16="http://schemas.microsoft.com/office/drawing/2014/main" id="{BE878254-06B3-FA50-FE92-042A9A27BC50}"/>
+              </a:ext>
+            </a:extLst>
+          </p:cNvPr>
+          <p:cNvSpPr txBox="1">
+            <a:spLocks/>
+          </p:cNvSpPr>
+          <p:nvPr/>
+        </p:nvSpPr>
+        <p:spPr>
+          <a:xfrm>
+            <a:off x="7490674" y="3826568"/>
+            <a:ext cx="1269278" cy="385850"/>
+          </a:xfrm>
+          <a:prstGeom prst="rect">
+            <a:avLst/>
+          </a:prstGeom>
+        </p:spPr>
+        <p:txBody>
+          <a:bodyPr vert="horz" lIns="91440" tIns="45720" rIns="91440" bIns="45720" rtlCol="0" anchor="ctr">
+            <a:normAutofit/>
+          </a:bodyPr>
+          <a:lstStyle>
+            <a:lvl1pPr algn="l" defTabSz="914400" rtl="0" eaLnBrk="1" latinLnBrk="1" hangingPunct="1">
+              <a:lnSpc>
+                <a:spcPct val="90000"/>
+              </a:lnSpc>
+              <a:spcBef>
+                <a:spcPct val="0"/>
+              </a:spcBef>
+              <a:buNone/>
+              <a:defRPr sz="4400" kern="1200">
+                <a:solidFill>
+                  <a:schemeClr val="tx1"/>
+                </a:solidFill>
+                <a:latin typeface="+mj-lt"/>
+                <a:ea typeface="+mj-ea"/>
+                <a:cs typeface="+mj-cs"/>
+              </a:defRPr>
+            </a:lvl1pPr>
+          </a:lstStyle>
+          <a:p>
+            <a:pPr algn="ctr"/>
+            <a:r>
+              <a:rPr lang="ko-KR" altLang="en-US" sz="1800" b="1" dirty="0"/>
+              <a:t>실행 결과</a:t>
+            </a:r>
+          </a:p>
+        </p:txBody>
+      </p:sp>
+      <p:sp>
+        <p:nvSpPr>
+          <p:cNvPr id="16" name="제목 1">
+            <a:extLst>
+              <a:ext uri="{FF2B5EF4-FFF2-40B4-BE49-F238E27FC236}">
+                <a16:creationId xmlns:a16="http://schemas.microsoft.com/office/drawing/2014/main" id="{F34FFD0C-FD67-3ABA-311E-3C9FA5749577}"/>
+              </a:ext>
+            </a:extLst>
+          </p:cNvPr>
+          <p:cNvSpPr txBox="1">
+            <a:spLocks/>
+          </p:cNvSpPr>
+          <p:nvPr/>
+        </p:nvSpPr>
+        <p:spPr>
+          <a:xfrm>
+            <a:off x="384048" y="2189895"/>
+            <a:ext cx="3950208" cy="326778"/>
+          </a:xfrm>
+          <a:prstGeom prst="rect">
+            <a:avLst/>
+          </a:prstGeom>
+        </p:spPr>
+        <p:txBody>
+          <a:bodyPr vert="horz" lIns="91440" tIns="45720" rIns="91440" bIns="45720" rtlCol="0" anchor="ctr">
+            <a:normAutofit fontScale="92500"/>
+          </a:bodyPr>
+          <a:lstStyle>
+            <a:lvl1pPr algn="l" defTabSz="914400" rtl="0" eaLnBrk="1" latinLnBrk="1" hangingPunct="1">
+              <a:lnSpc>
+                <a:spcPct val="90000"/>
+              </a:lnSpc>
+              <a:spcBef>
+                <a:spcPct val="0"/>
+              </a:spcBef>
+              <a:buNone/>
+              <a:defRPr sz="4400" kern="1200">
+                <a:solidFill>
+                  <a:schemeClr val="tx1"/>
+                </a:solidFill>
+                <a:latin typeface="+mj-lt"/>
+                <a:ea typeface="+mj-ea"/>
+                <a:cs typeface="+mj-cs"/>
+              </a:defRPr>
+            </a:lvl1pPr>
+          </a:lstStyle>
+          <a:p>
+            <a:pPr algn="ctr"/>
+            <a:r>
+              <a:rPr lang="ko-KR" altLang="en-US" sz="1800" b="1" dirty="0"/>
+              <a:t> 입력 문자열 거꾸로 뒤집기 실습 코드</a:t>
+            </a:r>
           </a:p>
         </p:txBody>
       </p:sp>
